--- a/sensenoise.pptx
+++ b/sensenoise.pptx
@@ -5,7 +5,7 @@
     <p:sldMasterId id="2147483648" r:id="rId1"/>
   </p:sldMasterIdLst>
   <p:sldIdLst>
-    <p:sldId id="256" r:id="rId3"/>
+    <p:sldId id="257" r:id="rId3"/>
   </p:sldIdLst>
   <p:sldSz cx="12192000" cy="6858000"/>
   <p:notesSz cx="6858000" cy="9144000"/>
@@ -2917,38 +2917,9 @@
         <p:nvPr/>
       </p:nvGrpSpPr>
       <p:grpSpPr/>
-      <p:sp>
-        <p:nvSpPr>
-          <p:cNvPr id="5" name="文本框 4"/>
-          <p:cNvSpPr txBox="1"/>
-          <p:nvPr/>
-        </p:nvSpPr>
-        <p:spPr>
-          <a:xfrm>
-            <a:off x="608965" y="314960"/>
-            <a:ext cx="11395075" cy="368300"/>
-          </a:xfrm>
-          <a:prstGeom prst="rect">
-            <a:avLst/>
-          </a:prstGeom>
-          <a:noFill/>
-        </p:spPr>
-        <p:txBody>
-          <a:bodyPr wrap="square" rtlCol="0">
-            <a:spAutoFit/>
-          </a:bodyPr>
-          <a:p>
-            <a:r>
-              <a:rPr lang="en-US" altLang="zh-CN"/>
-              <a:t>input			GT		UNet	     CBDNet	Uformer 		Uformer+</a:t>
-            </a:r>
-            <a:endParaRPr lang="en-US" altLang="zh-CN"/>
-          </a:p>
-        </p:txBody>
-      </p:sp>
       <p:pic>
         <p:nvPicPr>
-          <p:cNvPr id="6" name="图片 5" descr="8_2020_09_05_21_29_19_862_0_12_22.49_0.3278"/>
+          <p:cNvPr id="4" name="图片 3" descr="input"/>
           <p:cNvPicPr>
             <a:picLocks noChangeAspect="1"/>
           </p:cNvPicPr>
@@ -2962,7 +2933,7 @@
         </p:blipFill>
         <p:spPr>
           <a:xfrm>
-            <a:off x="382905" y="852805"/>
+            <a:off x="248920" y="728345"/>
             <a:ext cx="1905000" cy="1428750"/>
           </a:xfrm>
           <a:prstGeom prst="rect">
@@ -2972,7 +2943,7 @@
       </p:pic>
       <p:pic>
         <p:nvPicPr>
-          <p:cNvPr id="7" name="图片 6" descr="8_2020_09_05_21_29_19_862_0_12_1000.00_1.0000"/>
+          <p:cNvPr id="5" name="图片 4" descr="gt"/>
           <p:cNvPicPr>
             <a:picLocks noChangeAspect="1"/>
           </p:cNvPicPr>
@@ -2986,7 +2957,7 @@
         </p:blipFill>
         <p:spPr>
           <a:xfrm>
-            <a:off x="2287905" y="852805"/>
+            <a:off x="2153920" y="728345"/>
             <a:ext cx="1905000" cy="1428750"/>
           </a:xfrm>
           <a:prstGeom prst="rect">
@@ -2996,7 +2967,7 @@
       </p:pic>
       <p:pic>
         <p:nvPicPr>
-          <p:cNvPr id="8" name="图片 7" descr="8_2020_09_05_21_29_19_862_0_12_30.87_0.9295"/>
+          <p:cNvPr id="9" name="图片 8" descr="unet"/>
           <p:cNvPicPr>
             <a:picLocks noChangeAspect="1"/>
           </p:cNvPicPr>
@@ -3010,7 +2981,7 @@
         </p:blipFill>
         <p:spPr>
           <a:xfrm>
-            <a:off x="4192905" y="852805"/>
+            <a:off x="4058920" y="728345"/>
             <a:ext cx="1905000" cy="1428750"/>
           </a:xfrm>
           <a:prstGeom prst="rect">
@@ -3020,7 +2991,7 @@
       </p:pic>
       <p:pic>
         <p:nvPicPr>
-          <p:cNvPr id="9" name="图片 8" descr="8_2020_09_05_21_29_19_862_0_12_30.90_0.9237"/>
+          <p:cNvPr id="10" name="图片 9" descr="CBDNet"/>
           <p:cNvPicPr>
             <a:picLocks noChangeAspect="1"/>
           </p:cNvPicPr>
@@ -3034,7 +3005,7 @@
         </p:blipFill>
         <p:spPr>
           <a:xfrm>
-            <a:off x="6097905" y="852805"/>
+            <a:off x="5963920" y="728345"/>
             <a:ext cx="1905000" cy="1428750"/>
           </a:xfrm>
           <a:prstGeom prst="rect">
@@ -3044,7 +3015,7 @@
       </p:pic>
       <p:pic>
         <p:nvPicPr>
-          <p:cNvPr id="10" name="图片 9" descr="8_2020_09_05_21_29_19_862_0_12_31.26_0.9306"/>
+          <p:cNvPr id="11" name="图片 10" descr="uformer"/>
           <p:cNvPicPr>
             <a:picLocks noChangeAspect="1"/>
           </p:cNvPicPr>
@@ -3058,7 +3029,7 @@
         </p:blipFill>
         <p:spPr>
           <a:xfrm>
-            <a:off x="8002905" y="852805"/>
+            <a:off x="7868920" y="728345"/>
             <a:ext cx="1905000" cy="1428750"/>
           </a:xfrm>
           <a:prstGeom prst="rect">
@@ -3068,7 +3039,7 @@
       </p:pic>
       <p:pic>
         <p:nvPicPr>
-          <p:cNvPr id="11" name="图片 10" descr="8_2020_09_05_21_29_19_862_0_12_32.37_0.9333"/>
+          <p:cNvPr id="13" name="图片 12" descr="gt"/>
           <p:cNvPicPr>
             <a:picLocks noChangeAspect="1"/>
           </p:cNvPicPr>
@@ -3082,296 +3053,8 @@
         </p:blipFill>
         <p:spPr>
           <a:xfrm>
-            <a:off x="9907905" y="852805"/>
-            <a:ext cx="1905000" cy="1428750"/>
-          </a:xfrm>
-          <a:prstGeom prst="rect">
-            <a:avLst/>
-          </a:prstGeom>
-        </p:spPr>
-      </p:pic>
-      <p:pic>
-        <p:nvPicPr>
-          <p:cNvPr id="13" name="图片 12" descr="49_2020_09_13_20_57_07_460_8_9_22.27_0.3017"/>
-          <p:cNvPicPr>
-            <a:picLocks noChangeAspect="1"/>
-          </p:cNvPicPr>
-          <p:nvPr/>
-        </p:nvPicPr>
-        <p:blipFill>
-          <a:blip r:embed="rId7"/>
-          <a:stretch>
-            <a:fillRect/>
-          </a:stretch>
-        </p:blipFill>
-        <p:spPr>
-          <a:xfrm>
-            <a:off x="382905" y="2714625"/>
-            <a:ext cx="1905000" cy="1428750"/>
-          </a:xfrm>
-          <a:prstGeom prst="rect">
-            <a:avLst/>
-          </a:prstGeom>
-        </p:spPr>
-      </p:pic>
-      <p:pic>
-        <p:nvPicPr>
-          <p:cNvPr id="14" name="图片 13" descr="49_2020_09_13_20_57_07_460_8_9_1000.00_1.0000"/>
-          <p:cNvPicPr>
-            <a:picLocks noChangeAspect="1"/>
-          </p:cNvPicPr>
-          <p:nvPr/>
-        </p:nvPicPr>
-        <p:blipFill>
-          <a:blip r:embed="rId8"/>
-          <a:stretch>
-            <a:fillRect/>
-          </a:stretch>
-        </p:blipFill>
-        <p:spPr>
-          <a:xfrm>
-            <a:off x="2287905" y="2714625"/>
-            <a:ext cx="1905000" cy="1428750"/>
-          </a:xfrm>
-          <a:prstGeom prst="rect">
-            <a:avLst/>
-          </a:prstGeom>
-        </p:spPr>
-      </p:pic>
-      <p:pic>
-        <p:nvPicPr>
-          <p:cNvPr id="15" name="图片 14" descr="49_2020_09_13_20_57_07_460_8_9_34.93_0.9628"/>
-          <p:cNvPicPr>
-            <a:picLocks noChangeAspect="1"/>
-          </p:cNvPicPr>
-          <p:nvPr/>
-        </p:nvPicPr>
-        <p:blipFill>
-          <a:blip r:embed="rId9"/>
-          <a:stretch>
-            <a:fillRect/>
-          </a:stretch>
-        </p:blipFill>
-        <p:spPr>
-          <a:xfrm>
-            <a:off x="4192905" y="2714625"/>
-            <a:ext cx="1905000" cy="1428750"/>
-          </a:xfrm>
-          <a:prstGeom prst="rect">
-            <a:avLst/>
-          </a:prstGeom>
-        </p:spPr>
-      </p:pic>
-      <p:pic>
-        <p:nvPicPr>
-          <p:cNvPr id="16" name="图片 15" descr="49_2020_09_13_20_57_07_460_8_9_35.67_0.9641"/>
-          <p:cNvPicPr>
-            <a:picLocks noChangeAspect="1"/>
-          </p:cNvPicPr>
-          <p:nvPr/>
-        </p:nvPicPr>
-        <p:blipFill>
-          <a:blip r:embed="rId10"/>
-          <a:stretch>
-            <a:fillRect/>
-          </a:stretch>
-        </p:blipFill>
-        <p:spPr>
-          <a:xfrm>
-            <a:off x="6097905" y="2714625"/>
-            <a:ext cx="1905000" cy="1428750"/>
-          </a:xfrm>
-          <a:prstGeom prst="rect">
-            <a:avLst/>
-          </a:prstGeom>
-        </p:spPr>
-      </p:pic>
-      <p:pic>
-        <p:nvPicPr>
-          <p:cNvPr id="17" name="图片 16" descr="49_2020_09_13_20_57_07_460_8_9_35.73_0.9653"/>
-          <p:cNvPicPr>
-            <a:picLocks noChangeAspect="1"/>
-          </p:cNvPicPr>
-          <p:nvPr/>
-        </p:nvPicPr>
-        <p:blipFill>
-          <a:blip r:embed="rId11"/>
-          <a:stretch>
-            <a:fillRect/>
-          </a:stretch>
-        </p:blipFill>
-        <p:spPr>
-          <a:xfrm>
-            <a:off x="8002905" y="2714625"/>
-            <a:ext cx="1905000" cy="1428750"/>
-          </a:xfrm>
-          <a:prstGeom prst="rect">
-            <a:avLst/>
-          </a:prstGeom>
-        </p:spPr>
-      </p:pic>
-      <p:pic>
-        <p:nvPicPr>
-          <p:cNvPr id="18" name="图片 17" descr="49_2020_09_13_20_57_07_460_8_9_36.31_0.9662"/>
-          <p:cNvPicPr>
-            <a:picLocks noChangeAspect="1"/>
-          </p:cNvPicPr>
-          <p:nvPr/>
-        </p:nvPicPr>
-        <p:blipFill>
-          <a:blip r:embed="rId12"/>
-          <a:stretch>
-            <a:fillRect/>
-          </a:stretch>
-        </p:blipFill>
-        <p:spPr>
-          <a:xfrm>
-            <a:off x="9907905" y="2714625"/>
-            <a:ext cx="1905000" cy="1428750"/>
-          </a:xfrm>
-          <a:prstGeom prst="rect">
-            <a:avLst/>
-          </a:prstGeom>
-        </p:spPr>
-      </p:pic>
-      <p:pic>
-        <p:nvPicPr>
-          <p:cNvPr id="21" name="图片 20" descr="96_2020_09_05_21_29_19_862_0_9_22.42_0.5005"/>
-          <p:cNvPicPr>
-            <a:picLocks noChangeAspect="1"/>
-          </p:cNvPicPr>
-          <p:nvPr/>
-        </p:nvPicPr>
-        <p:blipFill>
-          <a:blip r:embed="rId13"/>
-          <a:stretch>
-            <a:fillRect/>
-          </a:stretch>
-        </p:blipFill>
-        <p:spPr>
-          <a:xfrm>
-            <a:off x="382905" y="4459605"/>
-            <a:ext cx="1905000" cy="1428750"/>
-          </a:xfrm>
-          <a:prstGeom prst="rect">
-            <a:avLst/>
-          </a:prstGeom>
-        </p:spPr>
-      </p:pic>
-      <p:pic>
-        <p:nvPicPr>
-          <p:cNvPr id="22" name="图片 21" descr="96_2020_09_05_21_29_19_862_0_9_1000.00_1.0000"/>
-          <p:cNvPicPr>
-            <a:picLocks noChangeAspect="1"/>
-          </p:cNvPicPr>
-          <p:nvPr/>
-        </p:nvPicPr>
-        <p:blipFill>
-          <a:blip r:embed="rId14"/>
-          <a:stretch>
-            <a:fillRect/>
-          </a:stretch>
-        </p:blipFill>
-        <p:spPr>
-          <a:xfrm>
-            <a:off x="2287905" y="4459605"/>
-            <a:ext cx="1905000" cy="1428750"/>
-          </a:xfrm>
-          <a:prstGeom prst="rect">
-            <a:avLst/>
-          </a:prstGeom>
-        </p:spPr>
-      </p:pic>
-      <p:pic>
-        <p:nvPicPr>
-          <p:cNvPr id="23" name="图片 22" descr="96_2020_09_05_21_29_19_862_0_9_32.72_0.9455"/>
-          <p:cNvPicPr>
-            <a:picLocks noChangeAspect="1"/>
-          </p:cNvPicPr>
-          <p:nvPr/>
-        </p:nvPicPr>
-        <p:blipFill>
-          <a:blip r:embed="rId15"/>
-          <a:stretch>
-            <a:fillRect/>
-          </a:stretch>
-        </p:blipFill>
-        <p:spPr>
-          <a:xfrm>
-            <a:off x="4192905" y="4459605"/>
-            <a:ext cx="1905000" cy="1428750"/>
-          </a:xfrm>
-          <a:prstGeom prst="rect">
-            <a:avLst/>
-          </a:prstGeom>
-        </p:spPr>
-      </p:pic>
-      <p:pic>
-        <p:nvPicPr>
-          <p:cNvPr id="24" name="图片 23" descr="96_2020_09_05_21_29_19_862_0_9_33.14_0.9457"/>
-          <p:cNvPicPr>
-            <a:picLocks noChangeAspect="1"/>
-          </p:cNvPicPr>
-          <p:nvPr/>
-        </p:nvPicPr>
-        <p:blipFill>
-          <a:blip r:embed="rId16"/>
-          <a:stretch>
-            <a:fillRect/>
-          </a:stretch>
-        </p:blipFill>
-        <p:spPr>
-          <a:xfrm>
-            <a:off x="6097905" y="4459605"/>
-            <a:ext cx="1905000" cy="1428750"/>
-          </a:xfrm>
-          <a:prstGeom prst="rect">
-            <a:avLst/>
-          </a:prstGeom>
-        </p:spPr>
-      </p:pic>
-      <p:pic>
-        <p:nvPicPr>
-          <p:cNvPr id="25" name="图片 24" descr="96_2020_09_05_21_29_19_862_0_9_33.70_0.9495"/>
-          <p:cNvPicPr>
-            <a:picLocks noChangeAspect="1"/>
-          </p:cNvPicPr>
-          <p:nvPr/>
-        </p:nvPicPr>
-        <p:blipFill>
-          <a:blip r:embed="rId17"/>
-          <a:stretch>
-            <a:fillRect/>
-          </a:stretch>
-        </p:blipFill>
-        <p:spPr>
-          <a:xfrm>
-            <a:off x="8002905" y="4459605"/>
-            <a:ext cx="1905000" cy="1428750"/>
-          </a:xfrm>
-          <a:prstGeom prst="rect">
-            <a:avLst/>
-          </a:prstGeom>
-        </p:spPr>
-      </p:pic>
-      <p:pic>
-        <p:nvPicPr>
-          <p:cNvPr id="26" name="图片 25" descr="96_2020_09_05_21_29_19_862_0_9_34.11_0.9514"/>
-          <p:cNvPicPr>
-            <a:picLocks noChangeAspect="1"/>
-          </p:cNvPicPr>
-          <p:nvPr/>
-        </p:nvPicPr>
-        <p:blipFill>
-          <a:blip r:embed="rId18"/>
-          <a:stretch>
-            <a:fillRect/>
-          </a:stretch>
-        </p:blipFill>
-        <p:spPr>
-          <a:xfrm>
-            <a:off x="9907905" y="4459605"/>
-            <a:ext cx="1905000" cy="1428750"/>
+            <a:off x="9773920" y="728345"/>
+            <a:ext cx="1907540" cy="1430655"/>
           </a:xfrm>
           <a:prstGeom prst="rect">
             <a:avLst/>
